--- a/cplusplus.pptx
+++ b/cplusplus.pptx
@@ -5,7 +5,7 @@
     <p:sldMasterId id="2147483660" r:id="rId1"/>
   </p:sldMasterIdLst>
   <p:notesMasterIdLst>
-    <p:notesMasterId r:id="rId15"/>
+    <p:notesMasterId r:id="rId21"/>
   </p:notesMasterIdLst>
   <p:sldIdLst>
     <p:sldId id="757" r:id="rId2"/>
@@ -20,7 +20,13 @@
     <p:sldId id="802" r:id="rId11"/>
     <p:sldId id="804" r:id="rId12"/>
     <p:sldId id="803" r:id="rId13"/>
-    <p:sldId id="758" r:id="rId14"/>
+    <p:sldId id="805" r:id="rId14"/>
+    <p:sldId id="808" r:id="rId15"/>
+    <p:sldId id="810" r:id="rId16"/>
+    <p:sldId id="809" r:id="rId17"/>
+    <p:sldId id="807" r:id="rId18"/>
+    <p:sldId id="806" r:id="rId19"/>
+    <p:sldId id="758" r:id="rId20"/>
   </p:sldIdLst>
   <p:sldSz cx="9144000" cy="6858000" type="screen4x3"/>
   <p:notesSz cx="6858000" cy="9144000"/>
@@ -241,7 +247,7 @@
             <a:fld id="{2616BC28-3819-43BB-95A7-F5671C07B5C1}" type="datetimeFigureOut">
               <a:rPr lang="en-IN" smtClean="0"/>
               <a:pPr/>
-              <a:t>02-03-2020</a:t>
+              <a:t>03-03-2020</a:t>
             </a:fld>
             <a:endParaRPr lang="en-IN" dirty="0"/>
           </a:p>
@@ -732,7 +738,7 @@
             <a:fld id="{70FAA508-F0CD-46EA-95FB-26B559A0B5D9}" type="datetimeFigureOut">
               <a:rPr lang="en-US" smtClean="0"/>
               <a:pPr/>
-              <a:t>3/2/2020</a:t>
+              <a:t>3/3/2020</a:t>
             </a:fld>
             <a:endParaRPr lang="en-US" dirty="0"/>
           </a:p>
@@ -1197,7 +1203,7 @@
             <a:fld id="{70FAA508-F0CD-46EA-95FB-26B559A0B5D9}" type="datetimeFigureOut">
               <a:rPr lang="en-US" smtClean="0"/>
               <a:pPr/>
-              <a:t>3/2/2020</a:t>
+              <a:t>3/3/2020</a:t>
             </a:fld>
             <a:endParaRPr lang="en-US" dirty="0"/>
           </a:p>
@@ -2210,7 +2216,7 @@
             <a:fld id="{70FAA508-F0CD-46EA-95FB-26B559A0B5D9}" type="datetimeFigureOut">
               <a:rPr lang="en-US" smtClean="0"/>
               <a:pPr/>
-              <a:t>3/2/2020</a:t>
+              <a:t>3/3/2020</a:t>
             </a:fld>
             <a:endParaRPr lang="en-US" dirty="0"/>
           </a:p>
@@ -3836,6 +3842,1364 @@
           <a:chExt cx="0" cy="0"/>
         </a:xfrm>
       </p:grpSpPr>
+      <p:sp>
+        <p:nvSpPr>
+          <p:cNvPr id="12" name="Rectangle 11"/>
+          <p:cNvSpPr/>
+          <p:nvPr/>
+        </p:nvSpPr>
+        <p:spPr>
+          <a:xfrm>
+            <a:off x="4887850" y="880712"/>
+            <a:ext cx="4160617" cy="7332777"/>
+          </a:xfrm>
+          <a:prstGeom prst="rect">
+            <a:avLst/>
+          </a:prstGeom>
+          <a:ln>
+            <a:noFill/>
+          </a:ln>
+        </p:spPr>
+        <p:txBody>
+          <a:bodyPr vert="horz" lIns="91440" tIns="45720" rIns="91440" bIns="45720" rtlCol="0">
+            <a:noAutofit/>
+          </a:bodyPr>
+          <a:lstStyle/>
+          <a:p>
+            <a:pPr marL="273050" indent="-273050">
+              <a:lnSpc>
+                <a:spcPct val="150000"/>
+              </a:lnSpc>
+              <a:buClr>
+                <a:schemeClr val="accent1"/>
+              </a:buClr>
+              <a:buFont typeface="Wingdings 2" pitchFamily="18" charset="2"/>
+              <a:buChar char=""/>
+            </a:pPr>
+            <a:endParaRPr lang="en-IN" sz="1200" dirty="0">
+              <a:solidFill>
+                <a:schemeClr val="tx1">
+                  <a:lumMod val="65000"/>
+                  <a:lumOff val="35000"/>
+                </a:schemeClr>
+              </a:solidFill>
+              <a:latin typeface="Arial"/>
+              <a:cs typeface="Arial"/>
+            </a:endParaRPr>
+          </a:p>
+        </p:txBody>
+      </p:sp>
+      <p:sp>
+        <p:nvSpPr>
+          <p:cNvPr id="7" name="TextBox 6"/>
+          <p:cNvSpPr txBox="1"/>
+          <p:nvPr/>
+        </p:nvSpPr>
+        <p:spPr>
+          <a:xfrm>
+            <a:off x="178594" y="185299"/>
+            <a:ext cx="4786313" cy="461665"/>
+          </a:xfrm>
+          <a:prstGeom prst="rect">
+            <a:avLst/>
+          </a:prstGeom>
+          <a:noFill/>
+        </p:spPr>
+        <p:txBody>
+          <a:bodyPr wrap="square" rtlCol="0">
+            <a:spAutoFit/>
+          </a:bodyPr>
+          <a:lstStyle/>
+          <a:p>
+            <a:r>
+              <a:rPr lang="en-US" sz="2400" dirty="0">
+                <a:solidFill>
+                  <a:schemeClr val="tx2"/>
+                </a:solidFill>
+              </a:rPr>
+              <a:t>C++</a:t>
+            </a:r>
+            <a:endParaRPr lang="en-IN" sz="2400" dirty="0">
+              <a:solidFill>
+                <a:schemeClr val="tx2"/>
+              </a:solidFill>
+            </a:endParaRPr>
+          </a:p>
+        </p:txBody>
+      </p:sp>
+      <p:sp>
+        <p:nvSpPr>
+          <p:cNvPr id="4" name="Rectangle 3">
+            <a:extLst>
+              <a:ext uri="{FF2B5EF4-FFF2-40B4-BE49-F238E27FC236}">
+                <a16:creationId xmlns:a16="http://schemas.microsoft.com/office/drawing/2014/main" id="{520E6CF5-55F3-4F06-BE71-8EC7A613BBF4}"/>
+              </a:ext>
+            </a:extLst>
+          </p:cNvPr>
+          <p:cNvSpPr/>
+          <p:nvPr/>
+        </p:nvSpPr>
+        <p:spPr>
+          <a:xfrm>
+            <a:off x="95533" y="837505"/>
+            <a:ext cx="5886645" cy="461666"/>
+          </a:xfrm>
+          <a:prstGeom prst="rect">
+            <a:avLst/>
+          </a:prstGeom>
+          <a:noFill/>
+        </p:spPr>
+        <p:txBody>
+          <a:bodyPr wrap="square" lIns="91440" tIns="45720" rIns="91440" bIns="45720">
+            <a:normAutofit fontScale="92500" lnSpcReduction="10000"/>
+          </a:bodyPr>
+          <a:lstStyle/>
+          <a:p>
+            <a:r>
+              <a:rPr lang="en-US" sz="2800" b="0" cap="none" spc="0" dirty="0">
+                <a:ln w="0"/>
+                <a:solidFill>
+                  <a:schemeClr val="tx1"/>
+                </a:solidFill>
+                <a:effectLst>
+                  <a:outerShdw blurRad="38100" dist="19050" dir="2700000" algn="tl" rotWithShape="0">
+                    <a:schemeClr val="dk1">
+                      <a:alpha val="40000"/>
+                    </a:schemeClr>
+                  </a:outerShdw>
+                </a:effectLst>
+              </a:rPr>
+              <a:t>O</a:t>
+            </a:r>
+            <a:r>
+              <a:rPr lang="en-US" sz="2800" dirty="0">
+                <a:ln w="0"/>
+                <a:effectLst>
+                  <a:outerShdw blurRad="38100" dist="19050" dir="2700000" algn="tl" rotWithShape="0">
+                    <a:schemeClr val="dk1">
+                      <a:alpha val="40000"/>
+                    </a:schemeClr>
+                  </a:outerShdw>
+                </a:effectLst>
+              </a:rPr>
+              <a:t>bject Oriented programming</a:t>
+            </a:r>
+            <a:endParaRPr lang="en-US" sz="2800" b="0" cap="none" spc="0" dirty="0">
+              <a:ln w="0"/>
+              <a:solidFill>
+                <a:schemeClr val="tx1"/>
+              </a:solidFill>
+              <a:effectLst>
+                <a:outerShdw blurRad="38100" dist="19050" dir="2700000" algn="tl" rotWithShape="0">
+                  <a:schemeClr val="dk1">
+                    <a:alpha val="40000"/>
+                  </a:schemeClr>
+                </a:outerShdw>
+              </a:effectLst>
+            </a:endParaRPr>
+          </a:p>
+        </p:txBody>
+      </p:sp>
+      <p:pic>
+        <p:nvPicPr>
+          <p:cNvPr id="8" name="Picture 7" descr="A close up of a map&#10;&#10;Description automatically generated">
+            <a:extLst>
+              <a:ext uri="{FF2B5EF4-FFF2-40B4-BE49-F238E27FC236}">
+                <a16:creationId xmlns:a16="http://schemas.microsoft.com/office/drawing/2014/main" id="{4366B079-B2C9-4DC0-9D7B-F81FA1C94E71}"/>
+              </a:ext>
+            </a:extLst>
+          </p:cNvPr>
+          <p:cNvPicPr>
+            <a:picLocks noChangeAspect="1"/>
+          </p:cNvPicPr>
+          <p:nvPr/>
+        </p:nvPicPr>
+        <p:blipFill>
+          <a:blip r:embed="rId2">
+            <a:extLst>
+              <a:ext uri="{28A0092B-C50C-407E-A947-70E740481C1C}">
+                <a14:useLocalDpi xmlns:a14="http://schemas.microsoft.com/office/drawing/2010/main" val="0"/>
+              </a:ext>
+            </a:extLst>
+          </a:blip>
+          <a:stretch>
+            <a:fillRect/>
+          </a:stretch>
+        </p:blipFill>
+        <p:spPr>
+          <a:xfrm>
+            <a:off x="1038225" y="1938688"/>
+            <a:ext cx="7067550" cy="4038600"/>
+          </a:xfrm>
+          <a:prstGeom prst="rect">
+            <a:avLst/>
+          </a:prstGeom>
+        </p:spPr>
+      </p:pic>
+    </p:spTree>
+    <p:extLst>
+      <p:ext uri="{BB962C8B-B14F-4D97-AF65-F5344CB8AC3E}">
+        <p14:creationId xmlns:p14="http://schemas.microsoft.com/office/powerpoint/2010/main" val="2480064104"/>
+      </p:ext>
+    </p:extLst>
+  </p:cSld>
+  <p:clrMapOvr>
+    <a:masterClrMapping/>
+  </p:clrMapOvr>
+</p:sld>
+</file>
+
+<file path=ppt/slides/slide14.xml><?xml version="1.0" encoding="utf-8"?>
+<p:sld xmlns:a="http://schemas.openxmlformats.org/drawingml/2006/main" xmlns:r="http://schemas.openxmlformats.org/officeDocument/2006/relationships" xmlns:p="http://schemas.openxmlformats.org/presentationml/2006/main">
+  <p:cSld>
+    <p:spTree>
+      <p:nvGrpSpPr>
+        <p:cNvPr id="1" name=""/>
+        <p:cNvGrpSpPr/>
+        <p:nvPr/>
+      </p:nvGrpSpPr>
+      <p:grpSpPr>
+        <a:xfrm>
+          <a:off x="0" y="0"/>
+          <a:ext cx="0" cy="0"/>
+          <a:chOff x="0" y="0"/>
+          <a:chExt cx="0" cy="0"/>
+        </a:xfrm>
+      </p:grpSpPr>
+      <p:sp>
+        <p:nvSpPr>
+          <p:cNvPr id="12" name="Rectangle 11"/>
+          <p:cNvSpPr/>
+          <p:nvPr/>
+        </p:nvSpPr>
+        <p:spPr>
+          <a:xfrm>
+            <a:off x="4887850" y="880712"/>
+            <a:ext cx="4160617" cy="7332777"/>
+          </a:xfrm>
+          <a:prstGeom prst="rect">
+            <a:avLst/>
+          </a:prstGeom>
+          <a:ln>
+            <a:noFill/>
+          </a:ln>
+        </p:spPr>
+        <p:txBody>
+          <a:bodyPr vert="horz" lIns="91440" tIns="45720" rIns="91440" bIns="45720" rtlCol="0">
+            <a:noAutofit/>
+          </a:bodyPr>
+          <a:lstStyle/>
+          <a:p>
+            <a:pPr marL="273050" indent="-273050">
+              <a:lnSpc>
+                <a:spcPct val="150000"/>
+              </a:lnSpc>
+              <a:buClr>
+                <a:schemeClr val="accent1"/>
+              </a:buClr>
+              <a:buFont typeface="Wingdings 2" pitchFamily="18" charset="2"/>
+              <a:buChar char=""/>
+            </a:pPr>
+            <a:endParaRPr lang="en-IN" sz="1200" dirty="0">
+              <a:solidFill>
+                <a:schemeClr val="tx1">
+                  <a:lumMod val="65000"/>
+                  <a:lumOff val="35000"/>
+                </a:schemeClr>
+              </a:solidFill>
+              <a:latin typeface="Arial"/>
+              <a:cs typeface="Arial"/>
+            </a:endParaRPr>
+          </a:p>
+        </p:txBody>
+      </p:sp>
+      <p:sp>
+        <p:nvSpPr>
+          <p:cNvPr id="7" name="TextBox 6"/>
+          <p:cNvSpPr txBox="1"/>
+          <p:nvPr/>
+        </p:nvSpPr>
+        <p:spPr>
+          <a:xfrm>
+            <a:off x="178594" y="185299"/>
+            <a:ext cx="4786313" cy="461665"/>
+          </a:xfrm>
+          <a:prstGeom prst="rect">
+            <a:avLst/>
+          </a:prstGeom>
+          <a:noFill/>
+        </p:spPr>
+        <p:txBody>
+          <a:bodyPr wrap="square" rtlCol="0">
+            <a:spAutoFit/>
+          </a:bodyPr>
+          <a:lstStyle/>
+          <a:p>
+            <a:r>
+              <a:rPr lang="en-US" sz="2400" dirty="0">
+                <a:solidFill>
+                  <a:schemeClr val="tx2"/>
+                </a:solidFill>
+              </a:rPr>
+              <a:t>C++</a:t>
+            </a:r>
+            <a:endParaRPr lang="en-IN" sz="2400" dirty="0">
+              <a:solidFill>
+                <a:schemeClr val="tx2"/>
+              </a:solidFill>
+            </a:endParaRPr>
+          </a:p>
+        </p:txBody>
+      </p:sp>
+      <p:sp>
+        <p:nvSpPr>
+          <p:cNvPr id="4" name="Rectangle 3">
+            <a:extLst>
+              <a:ext uri="{FF2B5EF4-FFF2-40B4-BE49-F238E27FC236}">
+                <a16:creationId xmlns:a16="http://schemas.microsoft.com/office/drawing/2014/main" id="{520E6CF5-55F3-4F06-BE71-8EC7A613BBF4}"/>
+              </a:ext>
+            </a:extLst>
+          </p:cNvPr>
+          <p:cNvSpPr/>
+          <p:nvPr/>
+        </p:nvSpPr>
+        <p:spPr>
+          <a:xfrm>
+            <a:off x="95533" y="837505"/>
+            <a:ext cx="5886645" cy="461666"/>
+          </a:xfrm>
+          <a:prstGeom prst="rect">
+            <a:avLst/>
+          </a:prstGeom>
+          <a:noFill/>
+        </p:spPr>
+        <p:txBody>
+          <a:bodyPr wrap="square" lIns="91440" tIns="45720" rIns="91440" bIns="45720">
+            <a:normAutofit fontScale="92500" lnSpcReduction="10000"/>
+          </a:bodyPr>
+          <a:lstStyle/>
+          <a:p>
+            <a:r>
+              <a:rPr lang="en-US" sz="2800" dirty="0">
+                <a:ln w="0"/>
+                <a:effectLst>
+                  <a:outerShdw blurRad="38100" dist="19050" dir="2700000" algn="tl" rotWithShape="0">
+                    <a:schemeClr val="dk1">
+                      <a:alpha val="40000"/>
+                    </a:schemeClr>
+                  </a:outerShdw>
+                </a:effectLst>
+              </a:rPr>
+              <a:t>Pillars of OOP</a:t>
+            </a:r>
+            <a:endParaRPr lang="en-US" sz="2800" b="0" cap="none" spc="0" dirty="0">
+              <a:ln w="0"/>
+              <a:solidFill>
+                <a:schemeClr val="tx1"/>
+              </a:solidFill>
+              <a:effectLst>
+                <a:outerShdw blurRad="38100" dist="19050" dir="2700000" algn="tl" rotWithShape="0">
+                  <a:schemeClr val="dk1">
+                    <a:alpha val="40000"/>
+                  </a:schemeClr>
+                </a:outerShdw>
+              </a:effectLst>
+            </a:endParaRPr>
+          </a:p>
+        </p:txBody>
+      </p:sp>
+      <p:pic>
+        <p:nvPicPr>
+          <p:cNvPr id="3" name="Picture 2" descr="A screenshot of a cell phone&#10;&#10;Description automatically generated">
+            <a:extLst>
+              <a:ext uri="{FF2B5EF4-FFF2-40B4-BE49-F238E27FC236}">
+                <a16:creationId xmlns:a16="http://schemas.microsoft.com/office/drawing/2014/main" id="{3E21D864-53BA-4A14-9F5A-A5305C4C1E9D}"/>
+              </a:ext>
+            </a:extLst>
+          </p:cNvPr>
+          <p:cNvPicPr>
+            <a:picLocks noChangeAspect="1"/>
+          </p:cNvPicPr>
+          <p:nvPr/>
+        </p:nvPicPr>
+        <p:blipFill>
+          <a:blip r:embed="rId2">
+            <a:extLst>
+              <a:ext uri="{28A0092B-C50C-407E-A947-70E740481C1C}">
+                <a14:useLocalDpi xmlns:a14="http://schemas.microsoft.com/office/drawing/2010/main" val="0"/>
+              </a:ext>
+            </a:extLst>
+          </a:blip>
+          <a:stretch>
+            <a:fillRect/>
+          </a:stretch>
+        </p:blipFill>
+        <p:spPr>
+          <a:xfrm>
+            <a:off x="1595437" y="1833562"/>
+            <a:ext cx="5953125" cy="3190875"/>
+          </a:xfrm>
+          <a:prstGeom prst="rect">
+            <a:avLst/>
+          </a:prstGeom>
+        </p:spPr>
+      </p:pic>
+    </p:spTree>
+    <p:extLst>
+      <p:ext uri="{BB962C8B-B14F-4D97-AF65-F5344CB8AC3E}">
+        <p14:creationId xmlns:p14="http://schemas.microsoft.com/office/powerpoint/2010/main" val="1190356032"/>
+      </p:ext>
+    </p:extLst>
+  </p:cSld>
+  <p:clrMapOvr>
+    <a:masterClrMapping/>
+  </p:clrMapOvr>
+</p:sld>
+</file>
+
+<file path=ppt/slides/slide15.xml><?xml version="1.0" encoding="utf-8"?>
+<p:sld xmlns:a="http://schemas.openxmlformats.org/drawingml/2006/main" xmlns:r="http://schemas.openxmlformats.org/officeDocument/2006/relationships" xmlns:p="http://schemas.openxmlformats.org/presentationml/2006/main">
+  <p:cSld>
+    <p:spTree>
+      <p:nvGrpSpPr>
+        <p:cNvPr id="1" name=""/>
+        <p:cNvGrpSpPr/>
+        <p:nvPr/>
+      </p:nvGrpSpPr>
+      <p:grpSpPr>
+        <a:xfrm>
+          <a:off x="0" y="0"/>
+          <a:ext cx="0" cy="0"/>
+          <a:chOff x="0" y="0"/>
+          <a:chExt cx="0" cy="0"/>
+        </a:xfrm>
+      </p:grpSpPr>
+      <p:sp>
+        <p:nvSpPr>
+          <p:cNvPr id="12" name="Rectangle 11"/>
+          <p:cNvSpPr/>
+          <p:nvPr/>
+        </p:nvSpPr>
+        <p:spPr>
+          <a:xfrm>
+            <a:off x="4887850" y="880712"/>
+            <a:ext cx="4160617" cy="7332777"/>
+          </a:xfrm>
+          <a:prstGeom prst="rect">
+            <a:avLst/>
+          </a:prstGeom>
+          <a:ln>
+            <a:noFill/>
+          </a:ln>
+        </p:spPr>
+        <p:txBody>
+          <a:bodyPr vert="horz" lIns="91440" tIns="45720" rIns="91440" bIns="45720" rtlCol="0">
+            <a:noAutofit/>
+          </a:bodyPr>
+          <a:lstStyle/>
+          <a:p>
+            <a:pPr marL="273050" indent="-273050">
+              <a:lnSpc>
+                <a:spcPct val="150000"/>
+              </a:lnSpc>
+              <a:buClr>
+                <a:schemeClr val="accent1"/>
+              </a:buClr>
+              <a:buFont typeface="Wingdings 2" pitchFamily="18" charset="2"/>
+              <a:buChar char=""/>
+            </a:pPr>
+            <a:endParaRPr lang="en-IN" sz="1200" dirty="0">
+              <a:solidFill>
+                <a:schemeClr val="tx1">
+                  <a:lumMod val="65000"/>
+                  <a:lumOff val="35000"/>
+                </a:schemeClr>
+              </a:solidFill>
+              <a:latin typeface="Arial"/>
+              <a:cs typeface="Arial"/>
+            </a:endParaRPr>
+          </a:p>
+        </p:txBody>
+      </p:sp>
+      <p:sp>
+        <p:nvSpPr>
+          <p:cNvPr id="7" name="TextBox 6"/>
+          <p:cNvSpPr txBox="1"/>
+          <p:nvPr/>
+        </p:nvSpPr>
+        <p:spPr>
+          <a:xfrm>
+            <a:off x="178594" y="185299"/>
+            <a:ext cx="4786313" cy="461665"/>
+          </a:xfrm>
+          <a:prstGeom prst="rect">
+            <a:avLst/>
+          </a:prstGeom>
+          <a:noFill/>
+        </p:spPr>
+        <p:txBody>
+          <a:bodyPr wrap="square" rtlCol="0">
+            <a:spAutoFit/>
+          </a:bodyPr>
+          <a:lstStyle/>
+          <a:p>
+            <a:r>
+              <a:rPr lang="en-US" sz="2400" dirty="0">
+                <a:solidFill>
+                  <a:schemeClr val="tx2"/>
+                </a:solidFill>
+              </a:rPr>
+              <a:t>C++</a:t>
+            </a:r>
+            <a:endParaRPr lang="en-IN" sz="2400" dirty="0">
+              <a:solidFill>
+                <a:schemeClr val="tx2"/>
+              </a:solidFill>
+            </a:endParaRPr>
+          </a:p>
+        </p:txBody>
+      </p:sp>
+      <p:sp>
+        <p:nvSpPr>
+          <p:cNvPr id="4" name="Rectangle 3">
+            <a:extLst>
+              <a:ext uri="{FF2B5EF4-FFF2-40B4-BE49-F238E27FC236}">
+                <a16:creationId xmlns:a16="http://schemas.microsoft.com/office/drawing/2014/main" id="{520E6CF5-55F3-4F06-BE71-8EC7A613BBF4}"/>
+              </a:ext>
+            </a:extLst>
+          </p:cNvPr>
+          <p:cNvSpPr/>
+          <p:nvPr/>
+        </p:nvSpPr>
+        <p:spPr>
+          <a:xfrm>
+            <a:off x="95533" y="837505"/>
+            <a:ext cx="5886645" cy="461666"/>
+          </a:xfrm>
+          <a:prstGeom prst="rect">
+            <a:avLst/>
+          </a:prstGeom>
+          <a:noFill/>
+        </p:spPr>
+        <p:txBody>
+          <a:bodyPr wrap="square" lIns="91440" tIns="45720" rIns="91440" bIns="45720">
+            <a:normAutofit fontScale="92500" lnSpcReduction="10000"/>
+          </a:bodyPr>
+          <a:lstStyle/>
+          <a:p>
+            <a:r>
+              <a:rPr lang="en-US" sz="2800" dirty="0">
+                <a:ln w="0"/>
+                <a:effectLst>
+                  <a:outerShdw blurRad="38100" dist="19050" dir="2700000" algn="tl" rotWithShape="0">
+                    <a:schemeClr val="dk1">
+                      <a:alpha val="40000"/>
+                    </a:schemeClr>
+                  </a:outerShdw>
+                </a:effectLst>
+              </a:rPr>
+              <a:t>Abstraction</a:t>
+            </a:r>
+            <a:endParaRPr lang="en-US" sz="2800" b="0" cap="none" spc="0" dirty="0">
+              <a:ln w="0"/>
+              <a:solidFill>
+                <a:schemeClr val="tx1"/>
+              </a:solidFill>
+              <a:effectLst>
+                <a:outerShdw blurRad="38100" dist="19050" dir="2700000" algn="tl" rotWithShape="0">
+                  <a:schemeClr val="dk1">
+                    <a:alpha val="40000"/>
+                  </a:schemeClr>
+                </a:outerShdw>
+              </a:effectLst>
+            </a:endParaRPr>
+          </a:p>
+        </p:txBody>
+      </p:sp>
+      <p:pic>
+        <p:nvPicPr>
+          <p:cNvPr id="3" name="Picture 2" descr="A close up of a logo&#10;&#10;Description automatically generated">
+            <a:extLst>
+              <a:ext uri="{FF2B5EF4-FFF2-40B4-BE49-F238E27FC236}">
+                <a16:creationId xmlns:a16="http://schemas.microsoft.com/office/drawing/2014/main" id="{30523294-3932-4846-B7C1-32223FA11960}"/>
+              </a:ext>
+            </a:extLst>
+          </p:cNvPr>
+          <p:cNvPicPr>
+            <a:picLocks noChangeAspect="1"/>
+          </p:cNvPicPr>
+          <p:nvPr/>
+        </p:nvPicPr>
+        <p:blipFill>
+          <a:blip r:embed="rId2" cstate="email">
+            <a:extLst>
+              <a:ext uri="{28A0092B-C50C-407E-A947-70E740481C1C}">
+                <a14:useLocalDpi xmlns:a14="http://schemas.microsoft.com/office/drawing/2010/main" val="0"/>
+              </a:ext>
+            </a:extLst>
+          </a:blip>
+          <a:stretch>
+            <a:fillRect/>
+          </a:stretch>
+        </p:blipFill>
+        <p:spPr>
+          <a:xfrm>
+            <a:off x="5224888" y="2436006"/>
+            <a:ext cx="2133710" cy="2489328"/>
+          </a:xfrm>
+          <a:prstGeom prst="rect">
+            <a:avLst/>
+          </a:prstGeom>
+        </p:spPr>
+      </p:pic>
+      <p:pic>
+        <p:nvPicPr>
+          <p:cNvPr id="9" name="Picture 8" descr="A screenshot of a cell phone&#10;&#10;Description automatically generated">
+            <a:extLst>
+              <a:ext uri="{FF2B5EF4-FFF2-40B4-BE49-F238E27FC236}">
+                <a16:creationId xmlns:a16="http://schemas.microsoft.com/office/drawing/2014/main" id="{21DB9086-57FA-49AE-BEB8-DA1A0F816F24}"/>
+              </a:ext>
+            </a:extLst>
+          </p:cNvPr>
+          <p:cNvPicPr>
+            <a:picLocks noChangeAspect="1"/>
+          </p:cNvPicPr>
+          <p:nvPr/>
+        </p:nvPicPr>
+        <p:blipFill>
+          <a:blip r:embed="rId3">
+            <a:extLst>
+              <a:ext uri="{28A0092B-C50C-407E-A947-70E740481C1C}">
+                <a14:useLocalDpi xmlns:a14="http://schemas.microsoft.com/office/drawing/2010/main" val="0"/>
+              </a:ext>
+            </a:extLst>
+          </a:blip>
+          <a:stretch>
+            <a:fillRect/>
+          </a:stretch>
+        </p:blipFill>
+        <p:spPr>
+          <a:xfrm>
+            <a:off x="307764" y="1757571"/>
+            <a:ext cx="4657143" cy="3342857"/>
+          </a:xfrm>
+          <a:prstGeom prst="rect">
+            <a:avLst/>
+          </a:prstGeom>
+        </p:spPr>
+      </p:pic>
+      <p:sp>
+        <p:nvSpPr>
+          <p:cNvPr id="10" name="Rectangle 9">
+            <a:extLst>
+              <a:ext uri="{FF2B5EF4-FFF2-40B4-BE49-F238E27FC236}">
+                <a16:creationId xmlns:a16="http://schemas.microsoft.com/office/drawing/2014/main" id="{131492FD-7294-4A17-B49D-DB3B11E8ECA1}"/>
+              </a:ext>
+            </a:extLst>
+          </p:cNvPr>
+          <p:cNvSpPr/>
+          <p:nvPr/>
+        </p:nvSpPr>
+        <p:spPr>
+          <a:xfrm>
+            <a:off x="2571750" y="878507"/>
+            <a:ext cx="2608406" cy="369332"/>
+          </a:xfrm>
+          <a:prstGeom prst="rect">
+            <a:avLst/>
+          </a:prstGeom>
+        </p:spPr>
+        <p:txBody>
+          <a:bodyPr wrap="none">
+            <a:spAutoFit/>
+          </a:bodyPr>
+          <a:lstStyle/>
+          <a:p>
+            <a:r>
+              <a:rPr lang="en-IN" dirty="0"/>
+              <a:t>interface, abstract class</a:t>
+            </a:r>
+          </a:p>
+        </p:txBody>
+      </p:sp>
+    </p:spTree>
+    <p:extLst>
+      <p:ext uri="{BB962C8B-B14F-4D97-AF65-F5344CB8AC3E}">
+        <p14:creationId xmlns:p14="http://schemas.microsoft.com/office/powerpoint/2010/main" val="4125946868"/>
+      </p:ext>
+    </p:extLst>
+  </p:cSld>
+  <p:clrMapOvr>
+    <a:masterClrMapping/>
+  </p:clrMapOvr>
+</p:sld>
+</file>
+
+<file path=ppt/slides/slide16.xml><?xml version="1.0" encoding="utf-8"?>
+<p:sld xmlns:a="http://schemas.openxmlformats.org/drawingml/2006/main" xmlns:r="http://schemas.openxmlformats.org/officeDocument/2006/relationships" xmlns:p="http://schemas.openxmlformats.org/presentationml/2006/main">
+  <p:cSld>
+    <p:spTree>
+      <p:nvGrpSpPr>
+        <p:cNvPr id="1" name=""/>
+        <p:cNvGrpSpPr/>
+        <p:nvPr/>
+      </p:nvGrpSpPr>
+      <p:grpSpPr>
+        <a:xfrm>
+          <a:off x="0" y="0"/>
+          <a:ext cx="0" cy="0"/>
+          <a:chOff x="0" y="0"/>
+          <a:chExt cx="0" cy="0"/>
+        </a:xfrm>
+      </p:grpSpPr>
+      <p:sp>
+        <p:nvSpPr>
+          <p:cNvPr id="12" name="Rectangle 11"/>
+          <p:cNvSpPr/>
+          <p:nvPr/>
+        </p:nvSpPr>
+        <p:spPr>
+          <a:xfrm>
+            <a:off x="4887850" y="880712"/>
+            <a:ext cx="4160617" cy="7332777"/>
+          </a:xfrm>
+          <a:prstGeom prst="rect">
+            <a:avLst/>
+          </a:prstGeom>
+          <a:ln>
+            <a:noFill/>
+          </a:ln>
+        </p:spPr>
+        <p:txBody>
+          <a:bodyPr vert="horz" lIns="91440" tIns="45720" rIns="91440" bIns="45720" rtlCol="0">
+            <a:noAutofit/>
+          </a:bodyPr>
+          <a:lstStyle/>
+          <a:p>
+            <a:pPr marL="273050" indent="-273050">
+              <a:lnSpc>
+                <a:spcPct val="150000"/>
+              </a:lnSpc>
+              <a:buClr>
+                <a:schemeClr val="accent1"/>
+              </a:buClr>
+              <a:buFont typeface="Wingdings 2" pitchFamily="18" charset="2"/>
+              <a:buChar char=""/>
+            </a:pPr>
+            <a:endParaRPr lang="en-IN" sz="1200" dirty="0">
+              <a:solidFill>
+                <a:schemeClr val="tx1">
+                  <a:lumMod val="65000"/>
+                  <a:lumOff val="35000"/>
+                </a:schemeClr>
+              </a:solidFill>
+              <a:latin typeface="Arial"/>
+              <a:cs typeface="Arial"/>
+            </a:endParaRPr>
+          </a:p>
+        </p:txBody>
+      </p:sp>
+      <p:sp>
+        <p:nvSpPr>
+          <p:cNvPr id="7" name="TextBox 6"/>
+          <p:cNvSpPr txBox="1"/>
+          <p:nvPr/>
+        </p:nvSpPr>
+        <p:spPr>
+          <a:xfrm>
+            <a:off x="178594" y="185299"/>
+            <a:ext cx="4786313" cy="461665"/>
+          </a:xfrm>
+          <a:prstGeom prst="rect">
+            <a:avLst/>
+          </a:prstGeom>
+          <a:noFill/>
+        </p:spPr>
+        <p:txBody>
+          <a:bodyPr wrap="square" rtlCol="0">
+            <a:spAutoFit/>
+          </a:bodyPr>
+          <a:lstStyle/>
+          <a:p>
+            <a:r>
+              <a:rPr lang="en-US" sz="2400" dirty="0">
+                <a:solidFill>
+                  <a:schemeClr val="tx2"/>
+                </a:solidFill>
+              </a:rPr>
+              <a:t>C++</a:t>
+            </a:r>
+            <a:endParaRPr lang="en-IN" sz="2400" dirty="0">
+              <a:solidFill>
+                <a:schemeClr val="tx2"/>
+              </a:solidFill>
+            </a:endParaRPr>
+          </a:p>
+        </p:txBody>
+      </p:sp>
+      <p:sp>
+        <p:nvSpPr>
+          <p:cNvPr id="4" name="Rectangle 3">
+            <a:extLst>
+              <a:ext uri="{FF2B5EF4-FFF2-40B4-BE49-F238E27FC236}">
+                <a16:creationId xmlns:a16="http://schemas.microsoft.com/office/drawing/2014/main" id="{520E6CF5-55F3-4F06-BE71-8EC7A613BBF4}"/>
+              </a:ext>
+            </a:extLst>
+          </p:cNvPr>
+          <p:cNvSpPr/>
+          <p:nvPr/>
+        </p:nvSpPr>
+        <p:spPr>
+          <a:xfrm>
+            <a:off x="95533" y="837505"/>
+            <a:ext cx="5886645" cy="461666"/>
+          </a:xfrm>
+          <a:prstGeom prst="rect">
+            <a:avLst/>
+          </a:prstGeom>
+          <a:noFill/>
+        </p:spPr>
+        <p:txBody>
+          <a:bodyPr wrap="square" lIns="91440" tIns="45720" rIns="91440" bIns="45720">
+            <a:normAutofit fontScale="92500" lnSpcReduction="10000"/>
+          </a:bodyPr>
+          <a:lstStyle/>
+          <a:p>
+            <a:r>
+              <a:rPr lang="en-US" sz="2800" b="0" cap="none" spc="0" dirty="0">
+                <a:ln w="0"/>
+                <a:solidFill>
+                  <a:schemeClr val="tx1"/>
+                </a:solidFill>
+                <a:effectLst>
+                  <a:outerShdw blurRad="38100" dist="19050" dir="2700000" algn="tl" rotWithShape="0">
+                    <a:schemeClr val="dk1">
+                      <a:alpha val="40000"/>
+                    </a:schemeClr>
+                  </a:outerShdw>
+                </a:effectLst>
+              </a:rPr>
+              <a:t>Encapsulation</a:t>
+            </a:r>
+          </a:p>
+        </p:txBody>
+      </p:sp>
+      <p:pic>
+        <p:nvPicPr>
+          <p:cNvPr id="3" name="Picture 2" descr="A screenshot of a cell phone&#10;&#10;Description automatically generated">
+            <a:extLst>
+              <a:ext uri="{FF2B5EF4-FFF2-40B4-BE49-F238E27FC236}">
+                <a16:creationId xmlns:a16="http://schemas.microsoft.com/office/drawing/2014/main" id="{A82E7F44-5065-4277-B76C-FCC2FA9AF00D}"/>
+              </a:ext>
+            </a:extLst>
+          </p:cNvPr>
+          <p:cNvPicPr>
+            <a:picLocks noChangeAspect="1"/>
+          </p:cNvPicPr>
+          <p:nvPr/>
+        </p:nvPicPr>
+        <p:blipFill>
+          <a:blip r:embed="rId2">
+            <a:extLst>
+              <a:ext uri="{28A0092B-C50C-407E-A947-70E740481C1C}">
+                <a14:useLocalDpi xmlns:a14="http://schemas.microsoft.com/office/drawing/2010/main" val="0"/>
+              </a:ext>
+            </a:extLst>
+          </a:blip>
+          <a:stretch>
+            <a:fillRect/>
+          </a:stretch>
+        </p:blipFill>
+        <p:spPr>
+          <a:xfrm>
+            <a:off x="1738666" y="1648047"/>
+            <a:ext cx="5666667" cy="3561905"/>
+          </a:xfrm>
+          <a:prstGeom prst="rect">
+            <a:avLst/>
+          </a:prstGeom>
+        </p:spPr>
+      </p:pic>
+      <p:sp>
+        <p:nvSpPr>
+          <p:cNvPr id="5" name="Rectangle 4">
+            <a:extLst>
+              <a:ext uri="{FF2B5EF4-FFF2-40B4-BE49-F238E27FC236}">
+                <a16:creationId xmlns:a16="http://schemas.microsoft.com/office/drawing/2014/main" id="{3D1DFDC3-DF59-471B-889A-D8F7123883AD}"/>
+              </a:ext>
+            </a:extLst>
+          </p:cNvPr>
+          <p:cNvSpPr/>
+          <p:nvPr/>
+        </p:nvSpPr>
+        <p:spPr>
+          <a:xfrm>
+            <a:off x="3062646" y="929839"/>
+            <a:ext cx="1941557" cy="369332"/>
+          </a:xfrm>
+          <a:prstGeom prst="rect">
+            <a:avLst/>
+          </a:prstGeom>
+        </p:spPr>
+        <p:txBody>
+          <a:bodyPr wrap="none">
+            <a:spAutoFit/>
+          </a:bodyPr>
+          <a:lstStyle/>
+          <a:p>
+            <a:r>
+              <a:rPr lang="en-IN" dirty="0"/>
+              <a:t>access specifiers</a:t>
+            </a:r>
+          </a:p>
+        </p:txBody>
+      </p:sp>
+    </p:spTree>
+    <p:extLst>
+      <p:ext uri="{BB962C8B-B14F-4D97-AF65-F5344CB8AC3E}">
+        <p14:creationId xmlns:p14="http://schemas.microsoft.com/office/powerpoint/2010/main" val="910746921"/>
+      </p:ext>
+    </p:extLst>
+  </p:cSld>
+  <p:clrMapOvr>
+    <a:masterClrMapping/>
+  </p:clrMapOvr>
+</p:sld>
+</file>
+
+<file path=ppt/slides/slide17.xml><?xml version="1.0" encoding="utf-8"?>
+<p:sld xmlns:a="http://schemas.openxmlformats.org/drawingml/2006/main" xmlns:r="http://schemas.openxmlformats.org/officeDocument/2006/relationships" xmlns:p="http://schemas.openxmlformats.org/presentationml/2006/main">
+  <p:cSld>
+    <p:spTree>
+      <p:nvGrpSpPr>
+        <p:cNvPr id="1" name=""/>
+        <p:cNvGrpSpPr/>
+        <p:nvPr/>
+      </p:nvGrpSpPr>
+      <p:grpSpPr>
+        <a:xfrm>
+          <a:off x="0" y="0"/>
+          <a:ext cx="0" cy="0"/>
+          <a:chOff x="0" y="0"/>
+          <a:chExt cx="0" cy="0"/>
+        </a:xfrm>
+      </p:grpSpPr>
+      <p:sp>
+        <p:nvSpPr>
+          <p:cNvPr id="12" name="Rectangle 11"/>
+          <p:cNvSpPr/>
+          <p:nvPr/>
+        </p:nvSpPr>
+        <p:spPr>
+          <a:xfrm>
+            <a:off x="4887850" y="880712"/>
+            <a:ext cx="4160617" cy="7332777"/>
+          </a:xfrm>
+          <a:prstGeom prst="rect">
+            <a:avLst/>
+          </a:prstGeom>
+          <a:ln>
+            <a:noFill/>
+          </a:ln>
+        </p:spPr>
+        <p:txBody>
+          <a:bodyPr vert="horz" lIns="91440" tIns="45720" rIns="91440" bIns="45720" rtlCol="0">
+            <a:noAutofit/>
+          </a:bodyPr>
+          <a:lstStyle/>
+          <a:p>
+            <a:pPr marL="273050" indent="-273050">
+              <a:lnSpc>
+                <a:spcPct val="150000"/>
+              </a:lnSpc>
+              <a:buClr>
+                <a:schemeClr val="accent1"/>
+              </a:buClr>
+              <a:buFont typeface="Wingdings 2" pitchFamily="18" charset="2"/>
+              <a:buChar char=""/>
+            </a:pPr>
+            <a:endParaRPr lang="en-IN" sz="1200" dirty="0">
+              <a:solidFill>
+                <a:schemeClr val="tx1">
+                  <a:lumMod val="65000"/>
+                  <a:lumOff val="35000"/>
+                </a:schemeClr>
+              </a:solidFill>
+              <a:latin typeface="Arial"/>
+              <a:cs typeface="Arial"/>
+            </a:endParaRPr>
+          </a:p>
+        </p:txBody>
+      </p:sp>
+      <p:sp>
+        <p:nvSpPr>
+          <p:cNvPr id="7" name="TextBox 6"/>
+          <p:cNvSpPr txBox="1"/>
+          <p:nvPr/>
+        </p:nvSpPr>
+        <p:spPr>
+          <a:xfrm>
+            <a:off x="178594" y="185299"/>
+            <a:ext cx="4786313" cy="461665"/>
+          </a:xfrm>
+          <a:prstGeom prst="rect">
+            <a:avLst/>
+          </a:prstGeom>
+          <a:noFill/>
+        </p:spPr>
+        <p:txBody>
+          <a:bodyPr wrap="square" rtlCol="0">
+            <a:spAutoFit/>
+          </a:bodyPr>
+          <a:lstStyle/>
+          <a:p>
+            <a:r>
+              <a:rPr lang="en-US" sz="2400" dirty="0">
+                <a:solidFill>
+                  <a:schemeClr val="tx2"/>
+                </a:solidFill>
+              </a:rPr>
+              <a:t>C++</a:t>
+            </a:r>
+            <a:endParaRPr lang="en-IN" sz="2400" dirty="0">
+              <a:solidFill>
+                <a:schemeClr val="tx2"/>
+              </a:solidFill>
+            </a:endParaRPr>
+          </a:p>
+        </p:txBody>
+      </p:sp>
+      <p:sp>
+        <p:nvSpPr>
+          <p:cNvPr id="4" name="Rectangle 3">
+            <a:extLst>
+              <a:ext uri="{FF2B5EF4-FFF2-40B4-BE49-F238E27FC236}">
+                <a16:creationId xmlns:a16="http://schemas.microsoft.com/office/drawing/2014/main" id="{520E6CF5-55F3-4F06-BE71-8EC7A613BBF4}"/>
+              </a:ext>
+            </a:extLst>
+          </p:cNvPr>
+          <p:cNvSpPr/>
+          <p:nvPr/>
+        </p:nvSpPr>
+        <p:spPr>
+          <a:xfrm>
+            <a:off x="95533" y="837505"/>
+            <a:ext cx="5886645" cy="461666"/>
+          </a:xfrm>
+          <a:prstGeom prst="rect">
+            <a:avLst/>
+          </a:prstGeom>
+          <a:noFill/>
+        </p:spPr>
+        <p:txBody>
+          <a:bodyPr wrap="square" lIns="91440" tIns="45720" rIns="91440" bIns="45720">
+            <a:normAutofit fontScale="92500" lnSpcReduction="10000"/>
+          </a:bodyPr>
+          <a:lstStyle/>
+          <a:p>
+            <a:r>
+              <a:rPr lang="en-US" sz="2800" dirty="0">
+                <a:ln w="0"/>
+                <a:effectLst>
+                  <a:outerShdw blurRad="38100" dist="19050" dir="2700000" algn="tl" rotWithShape="0">
+                    <a:schemeClr val="dk1">
+                      <a:alpha val="40000"/>
+                    </a:schemeClr>
+                  </a:outerShdw>
+                </a:effectLst>
+              </a:rPr>
+              <a:t>Inheritance</a:t>
+            </a:r>
+            <a:endParaRPr lang="en-US" sz="2800" b="0" cap="none" spc="0" dirty="0">
+              <a:ln w="0"/>
+              <a:solidFill>
+                <a:schemeClr val="tx1"/>
+              </a:solidFill>
+              <a:effectLst>
+                <a:outerShdw blurRad="38100" dist="19050" dir="2700000" algn="tl" rotWithShape="0">
+                  <a:schemeClr val="dk1">
+                    <a:alpha val="40000"/>
+                  </a:schemeClr>
+                </a:outerShdw>
+              </a:effectLst>
+            </a:endParaRPr>
+          </a:p>
+        </p:txBody>
+      </p:sp>
+      <p:pic>
+        <p:nvPicPr>
+          <p:cNvPr id="5" name="Picture 4" descr="A screenshot of a cell phone&#10;&#10;Description automatically generated">
+            <a:extLst>
+              <a:ext uri="{FF2B5EF4-FFF2-40B4-BE49-F238E27FC236}">
+                <a16:creationId xmlns:a16="http://schemas.microsoft.com/office/drawing/2014/main" id="{8B6F3D81-EB63-46C6-991C-68AB32D2A709}"/>
+              </a:ext>
+            </a:extLst>
+          </p:cNvPr>
+          <p:cNvPicPr>
+            <a:picLocks noChangeAspect="1"/>
+          </p:cNvPicPr>
+          <p:nvPr/>
+        </p:nvPicPr>
+        <p:blipFill>
+          <a:blip r:embed="rId2">
+            <a:extLst>
+              <a:ext uri="{28A0092B-C50C-407E-A947-70E740481C1C}">
+                <a14:useLocalDpi xmlns:a14="http://schemas.microsoft.com/office/drawing/2010/main" val="0"/>
+              </a:ext>
+            </a:extLst>
+          </a:blip>
+          <a:stretch>
+            <a:fillRect/>
+          </a:stretch>
+        </p:blipFill>
+        <p:spPr>
+          <a:xfrm>
+            <a:off x="655604" y="1532919"/>
+            <a:ext cx="8464492" cy="5272041"/>
+          </a:xfrm>
+          <a:prstGeom prst="rect">
+            <a:avLst/>
+          </a:prstGeom>
+        </p:spPr>
+      </p:pic>
+    </p:spTree>
+    <p:extLst>
+      <p:ext uri="{BB962C8B-B14F-4D97-AF65-F5344CB8AC3E}">
+        <p14:creationId xmlns:p14="http://schemas.microsoft.com/office/powerpoint/2010/main" val="2287068574"/>
+      </p:ext>
+    </p:extLst>
+  </p:cSld>
+  <p:clrMapOvr>
+    <a:masterClrMapping/>
+  </p:clrMapOvr>
+</p:sld>
+</file>
+
+<file path=ppt/slides/slide18.xml><?xml version="1.0" encoding="utf-8"?>
+<p:sld xmlns:a="http://schemas.openxmlformats.org/drawingml/2006/main" xmlns:r="http://schemas.openxmlformats.org/officeDocument/2006/relationships" xmlns:p="http://schemas.openxmlformats.org/presentationml/2006/main">
+  <p:cSld>
+    <p:spTree>
+      <p:nvGrpSpPr>
+        <p:cNvPr id="1" name=""/>
+        <p:cNvGrpSpPr/>
+        <p:nvPr/>
+      </p:nvGrpSpPr>
+      <p:grpSpPr>
+        <a:xfrm>
+          <a:off x="0" y="0"/>
+          <a:ext cx="0" cy="0"/>
+          <a:chOff x="0" y="0"/>
+          <a:chExt cx="0" cy="0"/>
+        </a:xfrm>
+      </p:grpSpPr>
+      <p:sp>
+        <p:nvSpPr>
+          <p:cNvPr id="12" name="Rectangle 11"/>
+          <p:cNvSpPr/>
+          <p:nvPr/>
+        </p:nvSpPr>
+        <p:spPr>
+          <a:xfrm>
+            <a:off x="4887850" y="880712"/>
+            <a:ext cx="4160617" cy="7332777"/>
+          </a:xfrm>
+          <a:prstGeom prst="rect">
+            <a:avLst/>
+          </a:prstGeom>
+          <a:ln>
+            <a:noFill/>
+          </a:ln>
+        </p:spPr>
+        <p:txBody>
+          <a:bodyPr vert="horz" lIns="91440" tIns="45720" rIns="91440" bIns="45720" rtlCol="0">
+            <a:noAutofit/>
+          </a:bodyPr>
+          <a:lstStyle/>
+          <a:p>
+            <a:pPr marL="273050" indent="-273050">
+              <a:lnSpc>
+                <a:spcPct val="150000"/>
+              </a:lnSpc>
+              <a:buClr>
+                <a:schemeClr val="accent1"/>
+              </a:buClr>
+              <a:buFont typeface="Wingdings 2" pitchFamily="18" charset="2"/>
+              <a:buChar char=""/>
+            </a:pPr>
+            <a:endParaRPr lang="en-IN" sz="1200" dirty="0">
+              <a:solidFill>
+                <a:schemeClr val="tx1">
+                  <a:lumMod val="65000"/>
+                  <a:lumOff val="35000"/>
+                </a:schemeClr>
+              </a:solidFill>
+              <a:latin typeface="Arial"/>
+              <a:cs typeface="Arial"/>
+            </a:endParaRPr>
+          </a:p>
+        </p:txBody>
+      </p:sp>
+      <p:sp>
+        <p:nvSpPr>
+          <p:cNvPr id="7" name="TextBox 6"/>
+          <p:cNvSpPr txBox="1"/>
+          <p:nvPr/>
+        </p:nvSpPr>
+        <p:spPr>
+          <a:xfrm>
+            <a:off x="178594" y="185299"/>
+            <a:ext cx="4786313" cy="461665"/>
+          </a:xfrm>
+          <a:prstGeom prst="rect">
+            <a:avLst/>
+          </a:prstGeom>
+          <a:noFill/>
+        </p:spPr>
+        <p:txBody>
+          <a:bodyPr wrap="square" rtlCol="0">
+            <a:spAutoFit/>
+          </a:bodyPr>
+          <a:lstStyle/>
+          <a:p>
+            <a:r>
+              <a:rPr lang="en-US" sz="2400" dirty="0">
+                <a:solidFill>
+                  <a:schemeClr val="tx2"/>
+                </a:solidFill>
+              </a:rPr>
+              <a:t>C++</a:t>
+            </a:r>
+            <a:endParaRPr lang="en-IN" sz="2400" dirty="0">
+              <a:solidFill>
+                <a:schemeClr val="tx2"/>
+              </a:solidFill>
+            </a:endParaRPr>
+          </a:p>
+        </p:txBody>
+      </p:sp>
+      <p:sp>
+        <p:nvSpPr>
+          <p:cNvPr id="4" name="Rectangle 3">
+            <a:extLst>
+              <a:ext uri="{FF2B5EF4-FFF2-40B4-BE49-F238E27FC236}">
+                <a16:creationId xmlns:a16="http://schemas.microsoft.com/office/drawing/2014/main" id="{520E6CF5-55F3-4F06-BE71-8EC7A613BBF4}"/>
+              </a:ext>
+            </a:extLst>
+          </p:cNvPr>
+          <p:cNvSpPr/>
+          <p:nvPr/>
+        </p:nvSpPr>
+        <p:spPr>
+          <a:xfrm>
+            <a:off x="95533" y="837505"/>
+            <a:ext cx="5886645" cy="461666"/>
+          </a:xfrm>
+          <a:prstGeom prst="rect">
+            <a:avLst/>
+          </a:prstGeom>
+          <a:noFill/>
+        </p:spPr>
+        <p:txBody>
+          <a:bodyPr wrap="square" lIns="91440" tIns="45720" rIns="91440" bIns="45720">
+            <a:normAutofit fontScale="92500" lnSpcReduction="10000"/>
+          </a:bodyPr>
+          <a:lstStyle/>
+          <a:p>
+            <a:r>
+              <a:rPr lang="en-US" sz="2800" dirty="0">
+                <a:ln w="0"/>
+                <a:effectLst>
+                  <a:outerShdw blurRad="38100" dist="19050" dir="2700000" algn="tl" rotWithShape="0">
+                    <a:schemeClr val="dk1">
+                      <a:alpha val="40000"/>
+                    </a:schemeClr>
+                  </a:outerShdw>
+                </a:effectLst>
+              </a:rPr>
+              <a:t>Polymorphism</a:t>
+            </a:r>
+            <a:endParaRPr lang="en-US" sz="2800" b="0" cap="none" spc="0" dirty="0">
+              <a:ln w="0"/>
+              <a:solidFill>
+                <a:schemeClr val="tx1"/>
+              </a:solidFill>
+              <a:effectLst>
+                <a:outerShdw blurRad="38100" dist="19050" dir="2700000" algn="tl" rotWithShape="0">
+                  <a:schemeClr val="dk1">
+                    <a:alpha val="40000"/>
+                  </a:schemeClr>
+                </a:outerShdw>
+              </a:effectLst>
+            </a:endParaRPr>
+          </a:p>
+        </p:txBody>
+      </p:sp>
+      <p:pic>
+        <p:nvPicPr>
+          <p:cNvPr id="3" name="Picture 2" descr="A close up of a sign&#10;&#10;Description automatically generated">
+            <a:extLst>
+              <a:ext uri="{FF2B5EF4-FFF2-40B4-BE49-F238E27FC236}">
+                <a16:creationId xmlns:a16="http://schemas.microsoft.com/office/drawing/2014/main" id="{E11B21FD-5472-48D1-922F-E1AAA451FC84}"/>
+              </a:ext>
+            </a:extLst>
+          </p:cNvPr>
+          <p:cNvPicPr>
+            <a:picLocks noChangeAspect="1"/>
+          </p:cNvPicPr>
+          <p:nvPr/>
+        </p:nvPicPr>
+        <p:blipFill>
+          <a:blip r:embed="rId2">
+            <a:extLst>
+              <a:ext uri="{28A0092B-C50C-407E-A947-70E740481C1C}">
+                <a14:useLocalDpi xmlns:a14="http://schemas.microsoft.com/office/drawing/2010/main" val="0"/>
+              </a:ext>
+            </a:extLst>
+          </a:blip>
+          <a:stretch>
+            <a:fillRect/>
+          </a:stretch>
+        </p:blipFill>
+        <p:spPr>
+          <a:xfrm>
+            <a:off x="1429841" y="2145664"/>
+            <a:ext cx="4791075" cy="2990850"/>
+          </a:xfrm>
+          <a:prstGeom prst="rect">
+            <a:avLst/>
+          </a:prstGeom>
+        </p:spPr>
+      </p:pic>
+    </p:spTree>
+    <p:extLst>
+      <p:ext uri="{BB962C8B-B14F-4D97-AF65-F5344CB8AC3E}">
+        <p14:creationId xmlns:p14="http://schemas.microsoft.com/office/powerpoint/2010/main" val="823760993"/>
+      </p:ext>
+    </p:extLst>
+  </p:cSld>
+  <p:clrMapOvr>
+    <a:masterClrMapping/>
+  </p:clrMapOvr>
+</p:sld>
+</file>
+
+<file path=ppt/slides/slide19.xml><?xml version="1.0" encoding="utf-8"?>
+<p:sld xmlns:a="http://schemas.openxmlformats.org/drawingml/2006/main" xmlns:r="http://schemas.openxmlformats.org/officeDocument/2006/relationships" xmlns:p="http://schemas.openxmlformats.org/presentationml/2006/main">
+  <p:cSld>
+    <p:spTree>
+      <p:nvGrpSpPr>
+        <p:cNvPr id="1" name=""/>
+        <p:cNvGrpSpPr/>
+        <p:nvPr/>
+      </p:nvGrpSpPr>
+      <p:grpSpPr>
+        <a:xfrm>
+          <a:off x="0" y="0"/>
+          <a:ext cx="0" cy="0"/>
+          <a:chOff x="0" y="0"/>
+          <a:chExt cx="0" cy="0"/>
+        </a:xfrm>
+      </p:grpSpPr>
       <p:pic>
         <p:nvPicPr>
           <p:cNvPr id="6" name="Picture 5" descr="full-screen-green-background.jpg"/>
@@ -4326,7 +5690,7 @@
         <p:spPr>
           <a:xfrm>
             <a:off x="377506" y="1082180"/>
-            <a:ext cx="8539992" cy="4524315"/>
+            <a:ext cx="8539992" cy="5355312"/>
           </a:xfrm>
           <a:prstGeom prst="rect">
             <a:avLst/>
@@ -4340,14 +5704,28 @@
           <a:lstStyle/>
           <a:p>
             <a:r>
-              <a:rPr lang="en-IN" dirty="0"/>
-              <a:t>C++ is a popular programming language.</a:t>
-            </a:r>
-          </a:p>
-          <a:p>
-            <a:r>
-              <a:rPr lang="en-IN" dirty="0"/>
-              <a:t>C++ is used to create computer programs.</a:t>
+              <a:rPr lang="en-IN" b="1" dirty="0"/>
+              <a:t>Applications: </a:t>
+            </a:r>
+            <a:r>
+              <a:rPr lang="en-IN" dirty="0"/>
+              <a:t>Windows, Mac, Android, Adobe system, Google application, chrome, MYSQL server, Microsoft Office, IE, Visual studio, Facebook, </a:t>
+            </a:r>
+            <a:r>
+              <a:rPr lang="en-IN" dirty="0" err="1"/>
+              <a:t>Youtube</a:t>
+            </a:r>
+            <a:r>
+              <a:rPr lang="en-IN" dirty="0"/>
+              <a:t>,  Amazon, </a:t>
+            </a:r>
+            <a:r>
+              <a:rPr lang="en-IN" dirty="0" err="1"/>
+              <a:t>Orable</a:t>
+            </a:r>
+            <a:r>
+              <a:rPr lang="en-IN" dirty="0"/>
+              <a:t>, SAP, MongoDB, IDEs,  etc.</a:t>
             </a:r>
           </a:p>
           <a:p>
@@ -4460,6 +5838,26 @@
             <a:r>
               <a:rPr lang="en-IN" dirty="0"/>
               <a:t>Operator overloading</a:t>
+            </a:r>
+          </a:p>
+          <a:p>
+            <a:pPr marL="285750" indent="-285750">
+              <a:buFont typeface="Arial" panose="020B0604020202020204" pitchFamily="34" charset="0"/>
+              <a:buChar char="•"/>
+            </a:pPr>
+            <a:r>
+              <a:rPr lang="en-IN" dirty="0"/>
+              <a:t>Inheritance</a:t>
+            </a:r>
+          </a:p>
+          <a:p>
+            <a:pPr marL="285750" indent="-285750">
+              <a:buFont typeface="Arial" panose="020B0604020202020204" pitchFamily="34" charset="0"/>
+              <a:buChar char="•"/>
+            </a:pPr>
+            <a:r>
+              <a:rPr lang="en-IN" dirty="0"/>
+              <a:t>Polymorphism</a:t>
             </a:r>
           </a:p>
           <a:p>
@@ -4866,7 +6264,7 @@
               <a:rPr lang="en-IN" altLang="en-US" sz="1600" dirty="0">
                 <a:latin typeface="+mj-lt"/>
               </a:rPr>
-              <a:t>Lists </a:t>
+              <a:t>Lists (dynamic container)</a:t>
             </a:r>
           </a:p>
           <a:p>
@@ -4887,7 +6285,7 @@
               <a:rPr lang="en-IN" altLang="en-US" sz="1600" dirty="0">
                 <a:latin typeface="+mj-lt"/>
               </a:rPr>
-              <a:t>Vector vs Lists</a:t>
+              <a:t>Vector vs Lists (append, insert, delete, random access)</a:t>
             </a:r>
           </a:p>
           <a:p>
@@ -4908,7 +6306,7 @@
               <a:rPr lang="en-IN" altLang="en-US" sz="1600" dirty="0">
                 <a:latin typeface="+mj-lt"/>
               </a:rPr>
-              <a:t>Maps</a:t>
+              <a:t>Maps (internally balanced Red black tree, keys are sorted)</a:t>
             </a:r>
           </a:p>
           <a:p>
@@ -5432,7 +6830,7 @@
               <a:buChar char="q"/>
             </a:pPr>
             <a:r>
-              <a:rPr lang="en-IN" altLang="en-US" sz="1400" dirty="0">
+              <a:rPr lang="en-IN" altLang="en-US" sz="1400" b="1" dirty="0">
                 <a:latin typeface="+mj-lt"/>
               </a:rPr>
               <a:t>Template functions</a:t>
@@ -5537,7 +6935,7 @@
               <a:buChar char="q"/>
             </a:pPr>
             <a:r>
-              <a:rPr lang="en-IN" altLang="en-US" sz="1400" dirty="0">
+              <a:rPr lang="en-IN" altLang="en-US" sz="1400" b="1" dirty="0">
                 <a:latin typeface="+mj-lt"/>
               </a:rPr>
               <a:t>Template classes</a:t>

--- a/cplusplus.pptx
+++ b/cplusplus.pptx
@@ -5,7 +5,7 @@
     <p:sldMasterId id="2147483660" r:id="rId1"/>
   </p:sldMasterIdLst>
   <p:notesMasterIdLst>
-    <p:notesMasterId r:id="rId21"/>
+    <p:notesMasterId r:id="rId22"/>
   </p:notesMasterIdLst>
   <p:sldIdLst>
     <p:sldId id="757" r:id="rId2"/>
@@ -26,7 +26,8 @@
     <p:sldId id="809" r:id="rId17"/>
     <p:sldId id="807" r:id="rId18"/>
     <p:sldId id="806" r:id="rId19"/>
-    <p:sldId id="758" r:id="rId20"/>
+    <p:sldId id="811" r:id="rId20"/>
+    <p:sldId id="758" r:id="rId21"/>
   </p:sldIdLst>
   <p:sldSz cx="9144000" cy="6858000" type="screen4x3"/>
   <p:notesSz cx="6858000" cy="9144000"/>
@@ -247,7 +248,7 @@
             <a:fld id="{2616BC28-3819-43BB-95A7-F5671C07B5C1}" type="datetimeFigureOut">
               <a:rPr lang="en-IN" smtClean="0"/>
               <a:pPr/>
-              <a:t>03-03-2020</a:t>
+              <a:t>27-10-2020</a:t>
             </a:fld>
             <a:endParaRPr lang="en-IN" dirty="0"/>
           </a:p>
@@ -738,7 +739,7 @@
             <a:fld id="{70FAA508-F0CD-46EA-95FB-26B559A0B5D9}" type="datetimeFigureOut">
               <a:rPr lang="en-US" smtClean="0"/>
               <a:pPr/>
-              <a:t>3/3/2020</a:t>
+              <a:t>10/27/2020</a:t>
             </a:fld>
             <a:endParaRPr lang="en-US" dirty="0"/>
           </a:p>
@@ -1203,7 +1204,7 @@
             <a:fld id="{70FAA508-F0CD-46EA-95FB-26B559A0B5D9}" type="datetimeFigureOut">
               <a:rPr lang="en-US" smtClean="0"/>
               <a:pPr/>
-              <a:t>3/3/2020</a:t>
+              <a:t>10/27/2020</a:t>
             </a:fld>
             <a:endParaRPr lang="en-US" dirty="0"/>
           </a:p>
@@ -2216,7 +2217,7 @@
             <a:fld id="{70FAA508-F0CD-46EA-95FB-26B559A0B5D9}" type="datetimeFigureOut">
               <a:rPr lang="en-US" smtClean="0"/>
               <a:pPr/>
-              <a:t>3/3/2020</a:t>
+              <a:t>10/27/2020</a:t>
             </a:fld>
             <a:endParaRPr lang="en-US" dirty="0"/>
           </a:p>
@@ -5200,58 +5201,90 @@
           <a:chExt cx="0" cy="0"/>
         </a:xfrm>
       </p:grpSpPr>
-      <p:pic>
-        <p:nvPicPr>
-          <p:cNvPr id="6" name="Picture 5" descr="full-screen-green-background.jpg"/>
-          <p:cNvPicPr>
-            <a:picLocks noChangeAspect="1"/>
-          </p:cNvPicPr>
-          <p:nvPr/>
-        </p:nvPicPr>
-        <p:blipFill>
-          <a:blip r:embed="rId2" cstate="email">
+      <p:sp>
+        <p:nvSpPr>
+          <p:cNvPr id="2" name="Content Placeholder 1">
             <a:extLst>
-              <a:ext uri="{28A0092B-C50C-407E-A947-70E740481C1C}">
-                <a14:useLocalDpi xmlns:a14="http://schemas.microsoft.com/office/drawing/2010/main"/>
+              <a:ext uri="{FF2B5EF4-FFF2-40B4-BE49-F238E27FC236}">
+                <a16:creationId xmlns:a16="http://schemas.microsoft.com/office/drawing/2014/main" id="{FB8E8BCE-B3E5-477D-8A3A-40A255C22437}"/>
               </a:ext>
             </a:extLst>
-          </a:blip>
-          <a:stretch>
-            <a:fillRect/>
-          </a:stretch>
-        </p:blipFill>
-        <p:spPr>
-          <a:xfrm>
-            <a:off x="0" y="0"/>
-            <a:ext cx="9143086" cy="6858000"/>
-          </a:xfrm>
-          <a:prstGeom prst="rect">
-            <a:avLst/>
-          </a:prstGeom>
-        </p:spPr>
-      </p:pic>
+          </p:cNvPr>
+          <p:cNvSpPr>
+            <a:spLocks noGrp="1"/>
+          </p:cNvSpPr>
+          <p:nvPr>
+            <p:ph idx="1"/>
+          </p:nvPr>
+        </p:nvSpPr>
+        <p:spPr/>
+        <p:txBody>
+          <a:bodyPr/>
+          <a:lstStyle/>
+          <a:p>
+            <a:r>
+              <a:rPr lang="en-IN" dirty="0"/>
+              <a:t>using </a:t>
+            </a:r>
+            <a:r>
+              <a:rPr lang="en-IN" dirty="0" err="1"/>
+              <a:t>ICadMarkModelPtr</a:t>
+            </a:r>
+            <a:r>
+              <a:rPr lang="en-IN" dirty="0"/>
+              <a:t> = std::</a:t>
+            </a:r>
+            <a:r>
+              <a:rPr lang="en-IN" dirty="0" err="1"/>
+              <a:t>shared_ptr</a:t>
+            </a:r>
+            <a:r>
+              <a:rPr lang="en-IN" dirty="0"/>
+              <a:t>&lt;</a:t>
+            </a:r>
+            <a:r>
+              <a:rPr lang="en-IN" dirty="0" err="1"/>
+              <a:t>ICadMarkModel</a:t>
+            </a:r>
+            <a:r>
+              <a:rPr lang="en-IN" dirty="0"/>
+              <a:t>&gt;;</a:t>
+            </a:r>
+          </a:p>
+          <a:p>
+            <a:r>
+              <a:rPr lang="en-IN" dirty="0"/>
+              <a:t>using </a:t>
+            </a:r>
+            <a:r>
+              <a:rPr lang="en-IN" dirty="0" err="1"/>
+              <a:t>ICadMarkModelVector</a:t>
+            </a:r>
+            <a:r>
+              <a:rPr lang="en-IN" dirty="0"/>
+              <a:t> = std::vector&lt;</a:t>
+            </a:r>
+            <a:r>
+              <a:rPr lang="en-IN" dirty="0" err="1"/>
+              <a:t>ICadMarkModelPtr</a:t>
+            </a:r>
+            <a:r>
+              <a:rPr lang="en-IN" dirty="0"/>
+              <a:t>&gt;;</a:t>
+            </a:r>
+          </a:p>
+        </p:txBody>
+      </p:sp>
     </p:spTree>
     <p:extLst>
       <p:ext uri="{BB962C8B-B14F-4D97-AF65-F5344CB8AC3E}">
-        <p14:creationId xmlns:p14="http://schemas.microsoft.com/office/powerpoint/2010/main" val="1935373906"/>
+        <p14:creationId xmlns:p14="http://schemas.microsoft.com/office/powerpoint/2010/main" val="4262967581"/>
       </p:ext>
     </p:extLst>
   </p:cSld>
   <p:clrMapOvr>
     <a:masterClrMapping/>
   </p:clrMapOvr>
-  <mc:AlternateContent xmlns:mc="http://schemas.openxmlformats.org/markup-compatibility/2006" xmlns:p14="http://schemas.microsoft.com/office/powerpoint/2010/main">
-    <mc:Choice Requires="p14">
-      <p:transition spd="med" p14:dur="700">
-        <p:fade/>
-      </p:transition>
-    </mc:Choice>
-    <mc:Fallback xmlns="">
-      <p:transition spd="med">
-        <p:fade/>
-      </p:transition>
-    </mc:Fallback>
-  </mc:AlternateContent>
 </p:sld>
 </file>
 
@@ -5570,6 +5603,78 @@
   <p:clrMapOvr>
     <a:masterClrMapping/>
   </p:clrMapOvr>
+</p:sld>
+</file>
+
+<file path=ppt/slides/slide20.xml><?xml version="1.0" encoding="utf-8"?>
+<p:sld xmlns:a="http://schemas.openxmlformats.org/drawingml/2006/main" xmlns:r="http://schemas.openxmlformats.org/officeDocument/2006/relationships" xmlns:p="http://schemas.openxmlformats.org/presentationml/2006/main">
+  <p:cSld>
+    <p:spTree>
+      <p:nvGrpSpPr>
+        <p:cNvPr id="1" name=""/>
+        <p:cNvGrpSpPr/>
+        <p:nvPr/>
+      </p:nvGrpSpPr>
+      <p:grpSpPr>
+        <a:xfrm>
+          <a:off x="0" y="0"/>
+          <a:ext cx="0" cy="0"/>
+          <a:chOff x="0" y="0"/>
+          <a:chExt cx="0" cy="0"/>
+        </a:xfrm>
+      </p:grpSpPr>
+      <p:pic>
+        <p:nvPicPr>
+          <p:cNvPr id="6" name="Picture 5" descr="full-screen-green-background.jpg"/>
+          <p:cNvPicPr>
+            <a:picLocks noChangeAspect="1"/>
+          </p:cNvPicPr>
+          <p:nvPr/>
+        </p:nvPicPr>
+        <p:blipFill>
+          <a:blip r:embed="rId2" cstate="email">
+            <a:extLst>
+              <a:ext uri="{28A0092B-C50C-407E-A947-70E740481C1C}">
+                <a14:useLocalDpi xmlns:a14="http://schemas.microsoft.com/office/drawing/2010/main"/>
+              </a:ext>
+            </a:extLst>
+          </a:blip>
+          <a:stretch>
+            <a:fillRect/>
+          </a:stretch>
+        </p:blipFill>
+        <p:spPr>
+          <a:xfrm>
+            <a:off x="0" y="0"/>
+            <a:ext cx="9143086" cy="6858000"/>
+          </a:xfrm>
+          <a:prstGeom prst="rect">
+            <a:avLst/>
+          </a:prstGeom>
+        </p:spPr>
+      </p:pic>
+    </p:spTree>
+    <p:extLst>
+      <p:ext uri="{BB962C8B-B14F-4D97-AF65-F5344CB8AC3E}">
+        <p14:creationId xmlns:p14="http://schemas.microsoft.com/office/powerpoint/2010/main" val="1935373906"/>
+      </p:ext>
+    </p:extLst>
+  </p:cSld>
+  <p:clrMapOvr>
+    <a:masterClrMapping/>
+  </p:clrMapOvr>
+  <mc:AlternateContent xmlns:mc="http://schemas.openxmlformats.org/markup-compatibility/2006" xmlns:p14="http://schemas.microsoft.com/office/powerpoint/2010/main">
+    <mc:Choice Requires="p14">
+      <p:transition spd="med" p14:dur="700">
+        <p:fade/>
+      </p:transition>
+    </mc:Choice>
+    <mc:Fallback xmlns="">
+      <p:transition spd="med">
+        <p:fade/>
+      </p:transition>
+    </mc:Fallback>
+  </mc:AlternateContent>
 </p:sld>
 </file>
 
